--- a/Presentations/Project Proposal .pptx
+++ b/Presentations/Project Proposal .pptx
@@ -259,7 +259,7 @@
           <a:p>
             <a:fld id="{A421DCE0-F88B-4BBB-8EED-E5809B69D61E}" type="datetimeFigureOut">
               <a:rPr lang="en-US" smtClean="0"/>
-              <a:t>2/7/2021</a:t>
+              <a:t>2/12/2021</a:t>
             </a:fld>
             <a:endParaRPr lang="en-US"/>
           </a:p>
@@ -457,7 +457,7 @@
           <a:p>
             <a:fld id="{A421DCE0-F88B-4BBB-8EED-E5809B69D61E}" type="datetimeFigureOut">
               <a:rPr lang="en-US" smtClean="0"/>
-              <a:t>2/7/2021</a:t>
+              <a:t>2/12/2021</a:t>
             </a:fld>
             <a:endParaRPr lang="en-US"/>
           </a:p>
@@ -665,7 +665,7 @@
           <a:p>
             <a:fld id="{A421DCE0-F88B-4BBB-8EED-E5809B69D61E}" type="datetimeFigureOut">
               <a:rPr lang="en-US" smtClean="0"/>
-              <a:t>2/7/2021</a:t>
+              <a:t>2/12/2021</a:t>
             </a:fld>
             <a:endParaRPr lang="en-US"/>
           </a:p>
@@ -863,7 +863,7 @@
           <a:p>
             <a:fld id="{A421DCE0-F88B-4BBB-8EED-E5809B69D61E}" type="datetimeFigureOut">
               <a:rPr lang="en-US" smtClean="0"/>
-              <a:t>2/7/2021</a:t>
+              <a:t>2/12/2021</a:t>
             </a:fld>
             <a:endParaRPr lang="en-US"/>
           </a:p>
@@ -1138,7 +1138,7 @@
           <a:p>
             <a:fld id="{A421DCE0-F88B-4BBB-8EED-E5809B69D61E}" type="datetimeFigureOut">
               <a:rPr lang="en-US" smtClean="0"/>
-              <a:t>2/7/2021</a:t>
+              <a:t>2/12/2021</a:t>
             </a:fld>
             <a:endParaRPr lang="en-US"/>
           </a:p>
@@ -1403,7 +1403,7 @@
           <a:p>
             <a:fld id="{A421DCE0-F88B-4BBB-8EED-E5809B69D61E}" type="datetimeFigureOut">
               <a:rPr lang="en-US" smtClean="0"/>
-              <a:t>2/7/2021</a:t>
+              <a:t>2/12/2021</a:t>
             </a:fld>
             <a:endParaRPr lang="en-US"/>
           </a:p>
@@ -1815,7 +1815,7 @@
           <a:p>
             <a:fld id="{A421DCE0-F88B-4BBB-8EED-E5809B69D61E}" type="datetimeFigureOut">
               <a:rPr lang="en-US" smtClean="0"/>
-              <a:t>2/7/2021</a:t>
+              <a:t>2/12/2021</a:t>
             </a:fld>
             <a:endParaRPr lang="en-US"/>
           </a:p>
@@ -1956,7 +1956,7 @@
           <a:p>
             <a:fld id="{A421DCE0-F88B-4BBB-8EED-E5809B69D61E}" type="datetimeFigureOut">
               <a:rPr lang="en-US" smtClean="0"/>
-              <a:t>2/7/2021</a:t>
+              <a:t>2/12/2021</a:t>
             </a:fld>
             <a:endParaRPr lang="en-US"/>
           </a:p>
@@ -2069,7 +2069,7 @@
           <a:p>
             <a:fld id="{A421DCE0-F88B-4BBB-8EED-E5809B69D61E}" type="datetimeFigureOut">
               <a:rPr lang="en-US" smtClean="0"/>
-              <a:t>2/7/2021</a:t>
+              <a:t>2/12/2021</a:t>
             </a:fld>
             <a:endParaRPr lang="en-US"/>
           </a:p>
@@ -2380,7 +2380,7 @@
           <a:p>
             <a:fld id="{A421DCE0-F88B-4BBB-8EED-E5809B69D61E}" type="datetimeFigureOut">
               <a:rPr lang="en-US" smtClean="0"/>
-              <a:t>2/7/2021</a:t>
+              <a:t>2/12/2021</a:t>
             </a:fld>
             <a:endParaRPr lang="en-US"/>
           </a:p>
@@ -2668,7 +2668,7 @@
           <a:p>
             <a:fld id="{A421DCE0-F88B-4BBB-8EED-E5809B69D61E}" type="datetimeFigureOut">
               <a:rPr lang="en-US" smtClean="0"/>
-              <a:t>2/7/2021</a:t>
+              <a:t>2/12/2021</a:t>
             </a:fld>
             <a:endParaRPr lang="en-US"/>
           </a:p>
@@ -2909,7 +2909,7 @@
           <a:p>
             <a:fld id="{A421DCE0-F88B-4BBB-8EED-E5809B69D61E}" type="datetimeFigureOut">
               <a:rPr lang="en-US" smtClean="0"/>
-              <a:t>2/7/2021</a:t>
+              <a:t>2/12/2021</a:t>
             </a:fld>
             <a:endParaRPr lang="en-US"/>
           </a:p>
@@ -3357,9 +3357,9 @@
             <a:pPr algn="l"/>
             <a:r>
               <a:rPr lang="en-US" sz="2400" b="1" dirty="0">
-                <a:latin typeface="+mn-lt"/>
+                <a:latin typeface="Century Gothic" panose="020B0502020202020204" pitchFamily="34" charset="0"/>
               </a:rPr>
-              <a:t>Working Title: Covid-19 Impact on Twitter in North Carolina</a:t>
+              <a:t>Covid-19 Impact on Twitter in North Carolina</a:t>
             </a:r>
           </a:p>
         </p:txBody>
@@ -3382,8 +3382,8 @@
         </p:nvSpPr>
         <p:spPr>
           <a:xfrm>
-            <a:off x="335280" y="5676499"/>
-            <a:ext cx="5428486" cy="969100"/>
+            <a:off x="6106160" y="4301399"/>
+            <a:ext cx="5428486" cy="761639"/>
           </a:xfrm>
         </p:spPr>
         <p:txBody>
@@ -3392,33 +3392,35 @@
           </a:bodyPr>
           <a:lstStyle/>
           <a:p>
-            <a:pPr algn="l"/>
-            <a:r>
-              <a:rPr lang="en-US" sz="1400" b="1" dirty="0"/>
+            <a:pPr algn="l">
+              <a:lnSpc>
+                <a:spcPct val="100000"/>
+              </a:lnSpc>
+              <a:spcBef>
+                <a:spcPts val="0"/>
+              </a:spcBef>
+            </a:pPr>
+            <a:r>
+              <a:rPr lang="en-US" sz="1200" b="1" dirty="0">
+                <a:latin typeface="Century Gothic" panose="020B0502020202020204" pitchFamily="34" charset="0"/>
+              </a:rPr>
               <a:t>Team Members: </a:t>
             </a:r>
           </a:p>
           <a:p>
-            <a:pPr algn="l"/>
-            <a:r>
-              <a:rPr lang="en-US" sz="1400" dirty="0"/>
-              <a:t>Mariam Ahmad, Hector </a:t>
-            </a:r>
-            <a:r>
-              <a:rPr lang="en-US" sz="1400" dirty="0" err="1"/>
-              <a:t>Ladero</a:t>
-            </a:r>
-            <a:r>
-              <a:rPr lang="en-US" sz="1400" dirty="0"/>
-              <a:t>, Zehra </a:t>
-            </a:r>
-            <a:r>
-              <a:rPr lang="en-US" sz="1400" dirty="0" err="1"/>
-              <a:t>Tokatli</a:t>
-            </a:r>
-            <a:r>
-              <a:rPr lang="en-US" sz="1400" dirty="0"/>
-              <a:t>, Lauren Parrish, Jimmy White</a:t>
+            <a:pPr algn="l">
+              <a:lnSpc>
+                <a:spcPct val="100000"/>
+              </a:lnSpc>
+              <a:spcBef>
+                <a:spcPts val="0"/>
+              </a:spcBef>
+            </a:pPr>
+            <a:r>
+              <a:rPr lang="en-US" sz="1200" i="1" dirty="0">
+                <a:latin typeface="Century Gothic" panose="020B0502020202020204" pitchFamily="34" charset="0"/>
+              </a:rPr>
+              <a:t>Mariam Ahmad, Hector Ladero, Zehra Tokatli, Lauren Parrish, Jimmy White</a:t>
             </a:r>
           </a:p>
         </p:txBody>
@@ -3478,8 +3480,8 @@
         </p:nvSpPr>
         <p:spPr>
           <a:xfrm>
-            <a:off x="248413" y="1783885"/>
-            <a:ext cx="5747004" cy="3754874"/>
+            <a:off x="307848" y="2032248"/>
+            <a:ext cx="5566410" cy="4524315"/>
           </a:xfrm>
           <a:prstGeom prst="rect">
             <a:avLst/>
@@ -3493,87 +3495,151 @@
           <a:lstStyle/>
           <a:p>
             <a:r>
-              <a:rPr lang="en-US" sz="1400" dirty="0"/>
-              <a:t>This project is designed to identify the impact of Covid-19 on Twitter usage in the state of North Carolina.  The team hypothesizes that twitter references to Covid-19 are positively correlated with the progression of the virus.  Is that consistent with Twitter </a:t>
-            </a:r>
-            <a:r>
-              <a:rPr lang="en-US" sz="1400" dirty="0" err="1"/>
-              <a:t>Covid</a:t>
-            </a:r>
-            <a:r>
-              <a:rPr lang="en-US" sz="1400" dirty="0"/>
-              <a:t> references in North Carolina. By leveraging data sources for both Twitter and </a:t>
-            </a:r>
-            <a:r>
-              <a:rPr lang="en-US" sz="1400" dirty="0" err="1"/>
-              <a:t>Covid</a:t>
-            </a:r>
-            <a:r>
-              <a:rPr lang="en-US" sz="1400" dirty="0"/>
-              <a:t> 19 the team plans to answer the following:   </a:t>
-            </a:r>
-          </a:p>
-          <a:p>
-            <a:endParaRPr lang="en-US" sz="1400" dirty="0"/>
-          </a:p>
-          <a:p>
-            <a:pPr marL="285750" indent="-285750">
-              <a:buFont typeface="Arial" panose="020B0604020202020204" pitchFamily="34" charset="0"/>
-              <a:buChar char="•"/>
+              <a:rPr lang="en-US" sz="1200" i="1" dirty="0">
+                <a:latin typeface="Century Gothic" panose="020B0502020202020204" pitchFamily="34" charset="0"/>
+              </a:rPr>
+              <a:t>The project was designed to assess the impact of Covid-19 on Twitter usage in the state of North Carolina. The team hypothesized that Covid-19 references on Twitter are positively correlated to virus progression.  A global baseline was established for early pandemic data and then compared to early North Carolina Covid-19 progression and Twitter activity. </a:t>
+            </a:r>
+          </a:p>
+          <a:p>
+            <a:endParaRPr lang="en-US" sz="1200" i="1" dirty="0">
+              <a:latin typeface="Century Gothic" panose="020B0502020202020204" pitchFamily="34" charset="0"/>
+            </a:endParaRPr>
+          </a:p>
+          <a:p>
+            <a:r>
+              <a:rPr lang="en-US" sz="1200" i="1" dirty="0">
+                <a:latin typeface="Century Gothic" panose="020B0502020202020204" pitchFamily="34" charset="0"/>
+              </a:rPr>
+              <a:t>By leveraging data sources for both Twitter and Covid-19 the team plans to answer the following questions:   </a:t>
+            </a:r>
+          </a:p>
+          <a:p>
+            <a:endParaRPr lang="en-US" sz="1200" i="1" dirty="0">
+              <a:latin typeface="Century Gothic" panose="020B0502020202020204" pitchFamily="34" charset="0"/>
+            </a:endParaRPr>
+          </a:p>
+          <a:p>
+            <a:pPr marL="342900" indent="-342900">
+              <a:spcBef>
+                <a:spcPts val="0"/>
+              </a:spcBef>
+              <a:buClrTx/>
+              <a:buAutoNum type="arabicPeriod"/>
             </a:pPr>
             <a:r>
-              <a:rPr lang="en-US" sz="1400" dirty="0"/>
-              <a:t>Are references to Covid-19 on Twitter positively correlated with the virus progression in North Carolina?</a:t>
-            </a:r>
-          </a:p>
-          <a:p>
-            <a:pPr marL="285750" indent="-285750">
-              <a:buFont typeface="Arial" panose="020B0604020202020204" pitchFamily="34" charset="0"/>
-              <a:buChar char="•"/>
+              <a:rPr lang="en-US" sz="1200" i="1" dirty="0">
+                <a:latin typeface="Century Gothic" panose="020B0502020202020204" pitchFamily="34" charset="0"/>
+              </a:rPr>
+              <a:t>Are Covid-19 references on Twitter linked to virus progression both globally and in North Carolina?</a:t>
+            </a:r>
+          </a:p>
+          <a:p>
+            <a:pPr>
+              <a:spcBef>
+                <a:spcPts val="0"/>
+              </a:spcBef>
+              <a:buClrTx/>
             </a:pPr>
-            <a:r>
-              <a:rPr lang="en-US" sz="1400" dirty="0"/>
+            <a:endParaRPr lang="en-US" sz="1200" i="1" dirty="0">
+              <a:latin typeface="Century Gothic" panose="020B0502020202020204" pitchFamily="34" charset="0"/>
+            </a:endParaRPr>
+          </a:p>
+          <a:p>
+            <a:pPr marL="342900" indent="-342900">
+              <a:buClrTx/>
+              <a:buAutoNum type="arabicPeriod" startAt="2"/>
+            </a:pPr>
+            <a:r>
+              <a:rPr lang="en-US" sz="1200" i="1" dirty="0">
+                <a:latin typeface="Century Gothic" panose="020B0502020202020204" pitchFamily="34" charset="0"/>
+              </a:rPr>
               <a:t>Does location impact the probability of Twitter use as the virus progressed?</a:t>
             </a:r>
           </a:p>
           <a:p>
-            <a:pPr marL="285750" indent="-285750">
-              <a:buFont typeface="Arial" panose="020B0604020202020204" pitchFamily="34" charset="0"/>
-              <a:buChar char="•"/>
+            <a:pPr>
+              <a:buClrTx/>
             </a:pPr>
-            <a:r>
-              <a:rPr lang="en-US" sz="1400" dirty="0"/>
-              <a:t>As the number of cases and deaths increased, did Twitter original Tweets increase. </a:t>
-            </a:r>
-          </a:p>
-          <a:p>
-            <a:pPr marL="285750" indent="-285750">
-              <a:buFont typeface="Arial" panose="020B0604020202020204" pitchFamily="34" charset="0"/>
-              <a:buChar char="•"/>
+            <a:endParaRPr lang="en-US" sz="1200" i="1" dirty="0">
+              <a:latin typeface="Century Gothic" panose="020B0502020202020204" pitchFamily="34" charset="0"/>
+            </a:endParaRPr>
+          </a:p>
+          <a:p>
+            <a:pPr marL="342900" indent="-342900">
+              <a:buClrTx/>
+              <a:buAutoNum type="arabicPeriod" startAt="3"/>
             </a:pPr>
             <a:r>
-              <a:rPr lang="en-US" sz="1400" dirty="0"/>
-              <a:t>As the number of cases and deaths increased, did Twitter retweets increase.  </a:t>
-            </a:r>
-          </a:p>
-          <a:p>
-            <a:pPr marL="285750" indent="-285750">
-              <a:buFont typeface="Arial" panose="020B0604020202020204" pitchFamily="34" charset="0"/>
-              <a:buChar char="•"/>
+              <a:rPr lang="en-US" sz="1200" i="1" dirty="0">
+                <a:latin typeface="Century Gothic" panose="020B0502020202020204" pitchFamily="34" charset="0"/>
+              </a:rPr>
+              <a:t>As the number of cases and deaths increased, did Twitter original Tweets increase?</a:t>
+            </a:r>
+          </a:p>
+          <a:p>
+            <a:pPr>
+              <a:buClrTx/>
             </a:pPr>
-            <a:r>
-              <a:rPr lang="en-US" sz="1400" dirty="0"/>
-              <a:t>Is North Carolina a good representation of US </a:t>
-            </a:r>
-            <a:r>
-              <a:rPr lang="en-US" sz="1400" dirty="0" err="1"/>
-              <a:t>Covid</a:t>
-            </a:r>
-            <a:r>
-              <a:rPr lang="en-US" sz="1400" dirty="0"/>
-              <a:t> trends and what thereby can be inferred about Twitter usage. </a:t>
-            </a:r>
-            <a:endParaRPr lang="en-US" dirty="0"/>
+            <a:endParaRPr lang="en-US" sz="1200" i="1" dirty="0">
+              <a:latin typeface="Century Gothic" panose="020B0502020202020204" pitchFamily="34" charset="0"/>
+            </a:endParaRPr>
+          </a:p>
+          <a:p>
+            <a:pPr>
+              <a:buClrTx/>
+            </a:pPr>
+            <a:r>
+              <a:rPr lang="en-US" sz="1200" i="1" dirty="0">
+                <a:latin typeface="Century Gothic" panose="020B0502020202020204" pitchFamily="34" charset="0"/>
+              </a:rPr>
+              <a:t>4.     As the number of cases and deaths increased, did Twitter</a:t>
+            </a:r>
+          </a:p>
+          <a:p>
+            <a:pPr>
+              <a:buClrTx/>
+            </a:pPr>
+            <a:r>
+              <a:rPr lang="en-US" sz="1200" i="1" dirty="0">
+                <a:latin typeface="Century Gothic" panose="020B0502020202020204" pitchFamily="34" charset="0"/>
+              </a:rPr>
+              <a:t>        retweets and likes increase?</a:t>
+            </a:r>
+          </a:p>
+          <a:p>
+            <a:pPr>
+              <a:buClrTx/>
+            </a:pPr>
+            <a:r>
+              <a:rPr lang="en-US" sz="1200" i="1" dirty="0">
+                <a:latin typeface="Century Gothic" panose="020B0502020202020204" pitchFamily="34" charset="0"/>
+              </a:rPr>
+              <a:t>  </a:t>
+            </a:r>
+          </a:p>
+          <a:p>
+            <a:pPr marL="228600" indent="-228600">
+              <a:buClrTx/>
+              <a:buAutoNum type="arabicPeriod" startAt="5"/>
+            </a:pPr>
+            <a:r>
+              <a:rPr lang="en-US" sz="1200" i="1" dirty="0">
+                <a:latin typeface="Century Gothic" panose="020B0502020202020204" pitchFamily="34" charset="0"/>
+              </a:rPr>
+              <a:t>Is North Carolina a good representation of US COVID-19 trends and</a:t>
+            </a:r>
+          </a:p>
+          <a:p>
+            <a:pPr>
+              <a:buClrTx/>
+            </a:pPr>
+            <a:r>
+              <a:rPr lang="en-US" sz="1200" i="1" dirty="0">
+                <a:latin typeface="Century Gothic" panose="020B0502020202020204" pitchFamily="34" charset="0"/>
+              </a:rPr>
+              <a:t>     what thereby can be inferred about Twitter usage?</a:t>
+            </a:r>
           </a:p>
         </p:txBody>
       </p:sp>
@@ -3591,8 +3657,8 @@
         </p:nvSpPr>
         <p:spPr>
           <a:xfrm>
-            <a:off x="6106160" y="4224122"/>
-            <a:ext cx="5747004" cy="1815882"/>
+            <a:off x="6106160" y="5057152"/>
+            <a:ext cx="5747004" cy="1569660"/>
           </a:xfrm>
           <a:prstGeom prst="rect">
             <a:avLst/>
@@ -3606,57 +3672,65 @@
           <a:lstStyle/>
           <a:p>
             <a:r>
-              <a:rPr lang="en-US" sz="1400" b="1" dirty="0"/>
+              <a:rPr lang="en-US" sz="1200" b="1" dirty="0">
+                <a:latin typeface="Century Gothic" panose="020B0502020202020204" pitchFamily="34" charset="0"/>
+              </a:rPr>
               <a:t>Breakdown of Tasks:</a:t>
             </a:r>
           </a:p>
           <a:p>
             <a:r>
-              <a:rPr lang="en-US" sz="1400" dirty="0"/>
+              <a:rPr lang="en-US" sz="1200" i="1" dirty="0">
+                <a:latin typeface="Century Gothic" panose="020B0502020202020204" pitchFamily="34" charset="0"/>
+              </a:rPr>
               <a:t>Data Set Research – All</a:t>
             </a:r>
           </a:p>
           <a:p>
             <a:r>
-              <a:rPr lang="en-US" sz="1400" dirty="0"/>
+              <a:rPr lang="en-US" sz="1200" i="1" dirty="0">
+                <a:latin typeface="Century Gothic" panose="020B0502020202020204" pitchFamily="34" charset="0"/>
+              </a:rPr>
               <a:t>Building GitHub Branches – Zehra</a:t>
             </a:r>
           </a:p>
           <a:p>
             <a:r>
-              <a:rPr lang="en-US" sz="1400" dirty="0"/>
-              <a:t>Importing Datasets into </a:t>
-            </a:r>
-            <a:r>
-              <a:rPr lang="en-US" sz="1400" dirty="0" err="1"/>
-              <a:t>Jupyter</a:t>
-            </a:r>
-            <a:r>
-              <a:rPr lang="en-US" sz="1400" dirty="0"/>
-              <a:t> Notebook – Jimmy,  Hector </a:t>
-            </a:r>
-          </a:p>
-          <a:p>
-            <a:r>
-              <a:rPr lang="en-US" sz="1400" dirty="0"/>
-              <a:t>Cleaning Data – Lauren, Zehra, Hector, Jimmy</a:t>
-            </a:r>
-          </a:p>
-          <a:p>
-            <a:r>
-              <a:rPr lang="en-US" sz="1400" dirty="0"/>
-              <a:t>Statistical Analysis and Graphs – Lauren, Mariam, Zehra, Hector</a:t>
-            </a:r>
-          </a:p>
-          <a:p>
-            <a:r>
-              <a:rPr lang="en-US" sz="1400" dirty="0"/>
-              <a:t>Data Analysis  – All</a:t>
-            </a:r>
-          </a:p>
-          <a:p>
-            <a:r>
-              <a:rPr lang="en-US" sz="1400" dirty="0"/>
+              <a:rPr lang="en-US" sz="1200" i="1" dirty="0">
+                <a:latin typeface="Century Gothic" panose="020B0502020202020204" pitchFamily="34" charset="0"/>
+              </a:rPr>
+              <a:t>Importing Datasets – Jimmy,  Hector, Lauren </a:t>
+            </a:r>
+          </a:p>
+          <a:p>
+            <a:r>
+              <a:rPr lang="en-US" sz="1200" i="1" dirty="0">
+                <a:latin typeface="Century Gothic" panose="020B0502020202020204" pitchFamily="34" charset="0"/>
+              </a:rPr>
+              <a:t>Cleaning Data –  Zehra, Hector, Jimmy, Lauren</a:t>
+            </a:r>
+          </a:p>
+          <a:p>
+            <a:r>
+              <a:rPr lang="en-US" sz="1200" i="1" dirty="0">
+                <a:latin typeface="Century Gothic" panose="020B0502020202020204" pitchFamily="34" charset="0"/>
+              </a:rPr>
+              <a:t>Graphs – Lauren, Mariam, Zehra, Hector</a:t>
+            </a:r>
+          </a:p>
+          <a:p>
+            <a:r>
+              <a:rPr lang="en-US" sz="1200" i="1" dirty="0">
+                <a:latin typeface="Century Gothic" panose="020B0502020202020204" pitchFamily="34" charset="0"/>
+              </a:rPr>
+              <a:t>Data Analysis  – Lauren, Mariam</a:t>
+            </a:r>
+          </a:p>
+          <a:p>
+            <a:r>
+              <a:rPr lang="en-US" sz="1200" i="1" dirty="0">
+                <a:latin typeface="Century Gothic" panose="020B0502020202020204" pitchFamily="34" charset="0"/>
+              </a:rPr>
               <a:t>Presentation Preparation – Mariam, Lauren</a:t>
             </a:r>
           </a:p>
@@ -3676,8 +3750,8 @@
         </p:nvSpPr>
         <p:spPr>
           <a:xfrm>
-            <a:off x="6054852" y="1783885"/>
-            <a:ext cx="5788152" cy="1169551"/>
+            <a:off x="6065012" y="2051807"/>
+            <a:ext cx="5788152" cy="830997"/>
           </a:xfrm>
           <a:prstGeom prst="rect">
             <a:avLst/>
@@ -3691,31 +3765,12 @@
           <a:lstStyle/>
           <a:p>
             <a:r>
-              <a:rPr lang="en-US" sz="1400" dirty="0"/>
-              <a:t>The project will leverage two data sources pulled from the Twitter API and New York Times </a:t>
-            </a:r>
-            <a:r>
-              <a:rPr lang="en-US" sz="1400" dirty="0" err="1"/>
-              <a:t>Covid</a:t>
-            </a:r>
-            <a:r>
-              <a:rPr lang="en-US" sz="1400" dirty="0"/>
-              <a:t> 19 Data leveraged from </a:t>
-            </a:r>
-            <a:r>
-              <a:rPr lang="en-US" sz="1400" dirty="0" err="1"/>
-              <a:t>tKaggle</a:t>
-            </a:r>
-            <a:r>
-              <a:rPr lang="en-US" sz="1400" dirty="0"/>
-              <a:t>.  The Team will focus on data in North Carolina from the March – May 2020 to make their assessments.  </a:t>
-            </a:r>
-          </a:p>
-          <a:p>
-            <a:pPr marL="342900" indent="-342900">
-              <a:buAutoNum type="arabicPeriod"/>
-            </a:pPr>
-            <a:endParaRPr lang="en-US" sz="1400" b="1" dirty="0"/>
+              <a:rPr lang="en-US" sz="1200" i="1" dirty="0">
+                <a:latin typeface="Century Gothic" panose="020B0502020202020204" pitchFamily="34" charset="0"/>
+              </a:rPr>
+              <a:t>The project will leverage five data sources for Twitter, Covid-19, and Geocoding.  The Team will establish a baseline by reviewing early Covid-19 Twitter trends globally and comparing with early Covid-19 Case and Twitter  data from North Carolina from the period March – May 2020.</a:t>
+            </a:r>
+            <a:endParaRPr lang="en-US" sz="1400" b="1" i="1" dirty="0"/>
           </a:p>
         </p:txBody>
       </p:sp>
@@ -3733,8 +3788,8 @@
         </p:nvSpPr>
         <p:spPr>
           <a:xfrm>
-            <a:off x="6054852" y="2800776"/>
-            <a:ext cx="5788152" cy="1169551"/>
+            <a:off x="6096000" y="2928075"/>
+            <a:ext cx="5788152" cy="1200329"/>
           </a:xfrm>
           <a:prstGeom prst="rect">
             <a:avLst/>
@@ -3747,12 +3802,22 @@
           </a:bodyPr>
           <a:lstStyle/>
           <a:p>
+            <a:r>
+              <a:rPr lang="en-US" sz="1200" b="1" dirty="0">
+                <a:latin typeface="Century Gothic" panose="020B0502020202020204" pitchFamily="34" charset="0"/>
+              </a:rPr>
+              <a:t>Presentation: </a:t>
+            </a:r>
+          </a:p>
+          <a:p>
             <a:pPr marL="342900" indent="-342900">
               <a:buAutoNum type="arabicPeriod"/>
             </a:pPr>
             <a:r>
-              <a:rPr lang="en-US" sz="1400" dirty="0"/>
-              <a:t>Challenges with pulling data from social media platforms</a:t>
+              <a:rPr lang="en-US" sz="1200" i="1" dirty="0">
+                <a:latin typeface="Century Gothic" panose="020B0502020202020204" pitchFamily="34" charset="0"/>
+              </a:rPr>
+              <a:t>Present Hypothesis and Questions</a:t>
             </a:r>
           </a:p>
           <a:p>
@@ -3760,16 +3825,10 @@
               <a:buAutoNum type="arabicPeriod"/>
             </a:pPr>
             <a:r>
-              <a:rPr lang="en-US" sz="1400" dirty="0"/>
-              <a:t>Code sample reflecting how data from Twitter was pulled and </a:t>
-            </a:r>
-            <a:r>
-              <a:rPr lang="en-US" sz="1400" dirty="0" err="1"/>
-              <a:t>Covid</a:t>
-            </a:r>
-            <a:r>
-              <a:rPr lang="en-US" sz="1400" dirty="0"/>
-              <a:t> data sources.</a:t>
+              <a:rPr lang="en-US" sz="1200" i="1" dirty="0">
+                <a:latin typeface="Century Gothic" panose="020B0502020202020204" pitchFamily="34" charset="0"/>
+              </a:rPr>
+              <a:t>Data Exploration &amp; Cleansing</a:t>
             </a:r>
           </a:p>
           <a:p>
@@ -3777,8 +3836,10 @@
               <a:buAutoNum type="arabicPeriod"/>
             </a:pPr>
             <a:r>
-              <a:rPr lang="en-US" sz="1400" dirty="0"/>
-              <a:t>Graphical comparisons answering questions posted by the project team.</a:t>
+              <a:rPr lang="en-US" sz="1200" i="1" dirty="0">
+                <a:latin typeface="Century Gothic" panose="020B0502020202020204" pitchFamily="34" charset="0"/>
+              </a:rPr>
+              <a:t>Data Analysis </a:t>
             </a:r>
           </a:p>
           <a:p>
@@ -3786,8 +3847,21 @@
               <a:buAutoNum type="arabicPeriod"/>
             </a:pPr>
             <a:r>
-              <a:rPr lang="en-US" sz="1400" dirty="0"/>
-              <a:t>Conclusions</a:t>
+              <a:rPr lang="en-US" sz="1200" i="1" dirty="0">
+                <a:latin typeface="Century Gothic" panose="020B0502020202020204" pitchFamily="34" charset="0"/>
+              </a:rPr>
+              <a:t>Discussion of Findings</a:t>
+            </a:r>
+          </a:p>
+          <a:p>
+            <a:pPr marL="342900" indent="-342900">
+              <a:buAutoNum type="arabicPeriod"/>
+            </a:pPr>
+            <a:r>
+              <a:rPr lang="en-US" sz="1200" i="1" dirty="0">
+                <a:latin typeface="Century Gothic" panose="020B0502020202020204" pitchFamily="34" charset="0"/>
+              </a:rPr>
+              <a:t>Postmortem</a:t>
             </a:r>
           </a:p>
         </p:txBody>
@@ -3806,16 +3880,14 @@
         </p:nvSpPr>
         <p:spPr>
           <a:xfrm>
-            <a:off x="6096000" y="1366798"/>
-            <a:ext cx="5566410" cy="307777"/>
+            <a:off x="6106160" y="1511250"/>
+            <a:ext cx="5566410" cy="338554"/>
           </a:xfrm>
           <a:prstGeom prst="rect">
             <a:avLst/>
           </a:prstGeom>
           <a:solidFill>
-            <a:schemeClr val="bg1">
-              <a:lumMod val="85000"/>
-            </a:schemeClr>
+            <a:srgbClr val="006666"/>
           </a:solidFill>
           <a:ln>
             <a:solidFill>
@@ -3824,17 +3896,27 @@
           </a:ln>
         </p:spPr>
         <p:txBody>
-          <a:bodyPr wrap="square" rtlCol="0">
+          <a:bodyPr wrap="square" rtlCol="0" anchor="ctr" anchorCtr="0">
             <a:spAutoFit/>
           </a:bodyPr>
           <a:lstStyle/>
           <a:p>
             <a:r>
-              <a:rPr lang="en-US" sz="1400" b="1" dirty="0"/>
+              <a:rPr lang="en-US" sz="1600" b="1" dirty="0">
+                <a:solidFill>
+                  <a:schemeClr val="bg1"/>
+                </a:solidFill>
+                <a:latin typeface="Century Gothic" panose="020B0502020202020204" pitchFamily="34" charset="0"/>
+              </a:rPr>
               <a:t>Project Outline</a:t>
             </a:r>
             <a:r>
-              <a:rPr lang="en-US" sz="1400" dirty="0"/>
+              <a:rPr lang="en-US" sz="1600" dirty="0">
+                <a:solidFill>
+                  <a:schemeClr val="bg1"/>
+                </a:solidFill>
+                <a:latin typeface="Century Gothic" panose="020B0502020202020204" pitchFamily="34" charset="0"/>
+              </a:rPr>
               <a:t>:</a:t>
             </a:r>
           </a:p>
@@ -3854,16 +3936,14 @@
         </p:nvSpPr>
         <p:spPr>
           <a:xfrm>
-            <a:off x="338710" y="1338368"/>
-            <a:ext cx="5566410" cy="307777"/>
+            <a:off x="335280" y="1507645"/>
+            <a:ext cx="5566410" cy="338554"/>
           </a:xfrm>
           <a:prstGeom prst="rect">
             <a:avLst/>
           </a:prstGeom>
           <a:solidFill>
-            <a:schemeClr val="bg1">
-              <a:lumMod val="85000"/>
-            </a:schemeClr>
+            <a:srgbClr val="006666"/>
           </a:solidFill>
           <a:ln>
             <a:solidFill>
@@ -3872,17 +3952,27 @@
           </a:ln>
         </p:spPr>
         <p:txBody>
-          <a:bodyPr wrap="square" rtlCol="0">
+          <a:bodyPr wrap="square" rtlCol="0" anchor="ctr" anchorCtr="0">
             <a:spAutoFit/>
           </a:bodyPr>
           <a:lstStyle/>
           <a:p>
             <a:r>
-              <a:rPr lang="en-US" sz="1400" b="1" dirty="0"/>
+              <a:rPr lang="en-US" sz="1600" b="1" dirty="0">
+                <a:solidFill>
+                  <a:schemeClr val="bg1"/>
+                </a:solidFill>
+                <a:latin typeface="Century Gothic" panose="020B0502020202020204" pitchFamily="34" charset="0"/>
+              </a:rPr>
               <a:t>Project Description</a:t>
             </a:r>
             <a:r>
-              <a:rPr lang="en-US" sz="1400" dirty="0"/>
+              <a:rPr lang="en-US" sz="1600" dirty="0">
+                <a:solidFill>
+                  <a:schemeClr val="bg1"/>
+                </a:solidFill>
+                <a:latin typeface="Century Gothic" panose="020B0502020202020204" pitchFamily="34" charset="0"/>
+              </a:rPr>
               <a:t>:</a:t>
             </a:r>
           </a:p>
